--- a/slides/Mealy.pptx
+++ b/slides/Mealy.pptx
@@ -6769,7 +6769,7 @@
             <a:pPr lvl="1"/>
             <a:r>
               <a:rPr lang="en-US" dirty="0"/>
-              <a:t>An behavior that is </a:t>
+              <a:t>A behavior that is </a:t>
             </a:r>
             <a:r>
               <a:rPr lang="en-US" dirty="0">
@@ -6837,7 +6837,7 @@
             </a:r>
           </a:p>
           <a:p>
-            <a:pPr marL="447675" lvl="1" indent="0" algn="ctr">
+            <a:pPr marL="12700" lvl="1" indent="0" algn="ctr">
               <a:buNone/>
             </a:pPr>
             <a:r>
@@ -6908,15 +6908,33 @@
                                   </p:childTnLst>
                                 </p:cTn>
                               </p:par>
+                            </p:childTnLst>
+                          </p:cTn>
+                        </p:par>
+                      </p:childTnLst>
+                    </p:cTn>
+                  </p:par>
+                  <p:par>
+                    <p:cTn id="7" fill="hold">
+                      <p:stCondLst>
+                        <p:cond delay="indefinite"/>
+                      </p:stCondLst>
+                      <p:childTnLst>
+                        <p:par>
+                          <p:cTn id="8" fill="hold">
+                            <p:stCondLst>
+                              <p:cond delay="0"/>
+                            </p:stCondLst>
+                            <p:childTnLst>
                               <p:par>
-                                <p:cTn id="7" presetID="1" presetClass="entr" presetSubtype="0" fill="hold" grpId="0" nodeType="withEffect">
+                                <p:cTn id="9" presetID="1" presetClass="entr" presetSubtype="0" fill="hold" grpId="0" nodeType="clickEffect">
                                   <p:stCondLst>
                                     <p:cond delay="0"/>
                                   </p:stCondLst>
                                   <p:childTnLst>
                                     <p:set>
                                       <p:cBhvr>
-                                        <p:cTn id="8" dur="1" fill="hold">
+                                        <p:cTn id="10" dur="1" fill="hold">
                                           <p:stCondLst>
                                             <p:cond delay="0"/>
                                           </p:stCondLst>
@@ -6946,50 +6964,19 @@
                     </p:cTn>
                   </p:par>
                   <p:par>
-                    <p:cTn id="9" fill="hold">
+                    <p:cTn id="11" fill="hold">
                       <p:stCondLst>
                         <p:cond delay="indefinite"/>
                       </p:stCondLst>
                       <p:childTnLst>
                         <p:par>
-                          <p:cTn id="10" fill="hold">
+                          <p:cTn id="12" fill="hold">
                             <p:stCondLst>
                               <p:cond delay="0"/>
                             </p:stCondLst>
                             <p:childTnLst>
                               <p:par>
-                                <p:cTn id="11" presetID="1" presetClass="entr" presetSubtype="0" fill="hold" grpId="0" nodeType="clickEffect">
-                                  <p:stCondLst>
-                                    <p:cond delay="0"/>
-                                  </p:stCondLst>
-                                  <p:childTnLst>
-                                    <p:set>
-                                      <p:cBhvr>
-                                        <p:cTn id="12" dur="1" fill="hold">
-                                          <p:stCondLst>
-                                            <p:cond delay="0"/>
-                                          </p:stCondLst>
-                                        </p:cTn>
-                                        <p:tgtEl>
-                                          <p:spTgt spid="7">
-                                            <p:txEl>
-                                              <p:pRg st="5" end="5"/>
-                                            </p:txEl>
-                                          </p:spTgt>
-                                        </p:tgtEl>
-                                        <p:attrNameLst>
-                                          <p:attrName>style.visibility</p:attrName>
-                                        </p:attrNameLst>
-                                      </p:cBhvr>
-                                      <p:to>
-                                        <p:strVal val="visible"/>
-                                      </p:to>
-                                    </p:set>
-                                  </p:childTnLst>
-                                </p:cTn>
-                              </p:par>
-                              <p:par>
-                                <p:cTn id="13" presetID="1" presetClass="entr" presetSubtype="0" fill="hold" grpId="0" nodeType="withEffect">
+                                <p:cTn id="13" presetID="1" presetClass="entr" presetSubtype="0" fill="hold" grpId="0" nodeType="clickEffect">
                                   <p:stCondLst>
                                     <p:cond delay="0"/>
                                   </p:stCondLst>
@@ -7004,7 +6991,7 @@
                                         <p:tgtEl>
                                           <p:spTgt spid="7">
                                             <p:txEl>
-                                              <p:pRg st="6" end="6"/>
+                                              <p:pRg st="5" end="5"/>
                                             </p:txEl>
                                           </p:spTgt>
                                         </p:tgtEl>
@@ -7035,7 +7022,7 @@
                                         <p:tgtEl>
                                           <p:spTgt spid="7">
                                             <p:txEl>
-                                              <p:pRg st="8" end="8"/>
+                                              <p:pRg st="6" end="6"/>
                                             </p:txEl>
                                           </p:spTgt>
                                         </p:tgtEl>
@@ -7059,6 +7046,37 @@
                                     <p:set>
                                       <p:cBhvr>
                                         <p:cTn id="18" dur="1" fill="hold">
+                                          <p:stCondLst>
+                                            <p:cond delay="0"/>
+                                          </p:stCondLst>
+                                        </p:cTn>
+                                        <p:tgtEl>
+                                          <p:spTgt spid="7">
+                                            <p:txEl>
+                                              <p:pRg st="8" end="8"/>
+                                            </p:txEl>
+                                          </p:spTgt>
+                                        </p:tgtEl>
+                                        <p:attrNameLst>
+                                          <p:attrName>style.visibility</p:attrName>
+                                        </p:attrNameLst>
+                                      </p:cBhvr>
+                                      <p:to>
+                                        <p:strVal val="visible"/>
+                                      </p:to>
+                                    </p:set>
+                                  </p:childTnLst>
+                                </p:cTn>
+                              </p:par>
+                              <p:par>
+                                <p:cTn id="19" presetID="1" presetClass="entr" presetSubtype="0" fill="hold" grpId="0" nodeType="withEffect">
+                                  <p:stCondLst>
+                                    <p:cond delay="0"/>
+                                  </p:stCondLst>
+                                  <p:childTnLst>
+                                    <p:set>
+                                      <p:cBhvr>
+                                        <p:cTn id="20" dur="1" fill="hold">
                                           <p:stCondLst>
                                             <p:cond delay="0"/>
                                           </p:stCondLst>
@@ -9502,8 +9520,8 @@
           </a:p>
         </p:txBody>
       </p:sp>
-      <mc:AlternateContent xmlns:mc="http://schemas.openxmlformats.org/markup-compatibility/2006">
-        <mc:Choice xmlns:a14="http://schemas.microsoft.com/office/drawing/2010/main" Requires="a14">
+      <mc:AlternateContent xmlns:mc="http://schemas.openxmlformats.org/markup-compatibility/2006" xmlns:a14="http://schemas.microsoft.com/office/drawing/2010/main">
+        <mc:Choice Requires="a14">
           <p:sp>
             <p:nvSpPr>
               <p:cNvPr id="8" name="Content Placeholder 7">
@@ -10079,7 +10097,7 @@
             </p:txBody>
           </p:sp>
         </mc:Choice>
-        <mc:Fallback>
+        <mc:Fallback xmlns="">
           <p:sp>
             <p:nvSpPr>
               <p:cNvPr id="8" name="Content Placeholder 7">
@@ -10224,6 +10242,214 @@
   <p:clrMapOvr>
     <a:masterClrMapping/>
   </p:clrMapOvr>
+  <p:timing>
+    <p:tnLst>
+      <p:par>
+        <p:cTn id="1" dur="indefinite" restart="never" nodeType="tmRoot">
+          <p:childTnLst>
+            <p:seq concurrent="1" nextAc="seek">
+              <p:cTn id="2" dur="indefinite" nodeType="mainSeq">
+                <p:childTnLst>
+                  <p:par>
+                    <p:cTn id="3" fill="hold">
+                      <p:stCondLst>
+                        <p:cond delay="indefinite"/>
+                      </p:stCondLst>
+                      <p:childTnLst>
+                        <p:par>
+                          <p:cTn id="4" fill="hold">
+                            <p:stCondLst>
+                              <p:cond delay="0"/>
+                            </p:stCondLst>
+                            <p:childTnLst>
+                              <p:par>
+                                <p:cTn id="5" presetID="1" presetClass="entr" presetSubtype="0" fill="hold" nodeType="clickEffect">
+                                  <p:stCondLst>
+                                    <p:cond delay="0"/>
+                                  </p:stCondLst>
+                                  <p:childTnLst>
+                                    <p:set>
+                                      <p:cBhvr>
+                                        <p:cTn id="6" dur="1" fill="hold">
+                                          <p:stCondLst>
+                                            <p:cond delay="0"/>
+                                          </p:stCondLst>
+                                        </p:cTn>
+                                        <p:tgtEl>
+                                          <p:spTgt spid="8">
+                                            <p:txEl>
+                                              <p:pRg st="5" end="5"/>
+                                            </p:txEl>
+                                          </p:spTgt>
+                                        </p:tgtEl>
+                                        <p:attrNameLst>
+                                          <p:attrName>style.visibility</p:attrName>
+                                        </p:attrNameLst>
+                                      </p:cBhvr>
+                                      <p:to>
+                                        <p:strVal val="visible"/>
+                                      </p:to>
+                                    </p:set>
+                                  </p:childTnLst>
+                                </p:cTn>
+                              </p:par>
+                              <p:par>
+                                <p:cTn id="7" presetID="1" presetClass="entr" presetSubtype="0" fill="hold" nodeType="withEffect">
+                                  <p:stCondLst>
+                                    <p:cond delay="0"/>
+                                  </p:stCondLst>
+                                  <p:childTnLst>
+                                    <p:set>
+                                      <p:cBhvr>
+                                        <p:cTn id="8" dur="1" fill="hold">
+                                          <p:stCondLst>
+                                            <p:cond delay="0"/>
+                                          </p:stCondLst>
+                                        </p:cTn>
+                                        <p:tgtEl>
+                                          <p:spTgt spid="8">
+                                            <p:txEl>
+                                              <p:pRg st="6" end="6"/>
+                                            </p:txEl>
+                                          </p:spTgt>
+                                        </p:tgtEl>
+                                        <p:attrNameLst>
+                                          <p:attrName>style.visibility</p:attrName>
+                                        </p:attrNameLst>
+                                      </p:cBhvr>
+                                      <p:to>
+                                        <p:strVal val="visible"/>
+                                      </p:to>
+                                    </p:set>
+                                  </p:childTnLst>
+                                </p:cTn>
+                              </p:par>
+                            </p:childTnLst>
+                          </p:cTn>
+                        </p:par>
+                      </p:childTnLst>
+                    </p:cTn>
+                  </p:par>
+                  <p:par>
+                    <p:cTn id="9" fill="hold">
+                      <p:stCondLst>
+                        <p:cond delay="indefinite"/>
+                      </p:stCondLst>
+                      <p:childTnLst>
+                        <p:par>
+                          <p:cTn id="10" fill="hold">
+                            <p:stCondLst>
+                              <p:cond delay="0"/>
+                            </p:stCondLst>
+                            <p:childTnLst>
+                              <p:par>
+                                <p:cTn id="11" presetID="1" presetClass="entr" presetSubtype="0" fill="hold" nodeType="clickEffect">
+                                  <p:stCondLst>
+                                    <p:cond delay="0"/>
+                                  </p:stCondLst>
+                                  <p:childTnLst>
+                                    <p:set>
+                                      <p:cBhvr>
+                                        <p:cTn id="12" dur="1" fill="hold">
+                                          <p:stCondLst>
+                                            <p:cond delay="0"/>
+                                          </p:stCondLst>
+                                        </p:cTn>
+                                        <p:tgtEl>
+                                          <p:spTgt spid="8">
+                                            <p:txEl>
+                                              <p:pRg st="8" end="8"/>
+                                            </p:txEl>
+                                          </p:spTgt>
+                                        </p:tgtEl>
+                                        <p:attrNameLst>
+                                          <p:attrName>style.visibility</p:attrName>
+                                        </p:attrNameLst>
+                                      </p:cBhvr>
+                                      <p:to>
+                                        <p:strVal val="visible"/>
+                                      </p:to>
+                                    </p:set>
+                                  </p:childTnLst>
+                                </p:cTn>
+                              </p:par>
+                            </p:childTnLst>
+                          </p:cTn>
+                        </p:par>
+                      </p:childTnLst>
+                    </p:cTn>
+                  </p:par>
+                  <p:par>
+                    <p:cTn id="13" fill="hold">
+                      <p:stCondLst>
+                        <p:cond delay="indefinite"/>
+                      </p:stCondLst>
+                      <p:childTnLst>
+                        <p:par>
+                          <p:cTn id="14" fill="hold">
+                            <p:stCondLst>
+                              <p:cond delay="0"/>
+                            </p:stCondLst>
+                            <p:childTnLst>
+                              <p:par>
+                                <p:cTn id="15" presetID="1" presetClass="entr" presetSubtype="0" fill="hold" nodeType="clickEffect">
+                                  <p:stCondLst>
+                                    <p:cond delay="0"/>
+                                  </p:stCondLst>
+                                  <p:childTnLst>
+                                    <p:set>
+                                      <p:cBhvr>
+                                        <p:cTn id="16" dur="1" fill="hold">
+                                          <p:stCondLst>
+                                            <p:cond delay="0"/>
+                                          </p:stCondLst>
+                                        </p:cTn>
+                                        <p:tgtEl>
+                                          <p:spTgt spid="8">
+                                            <p:txEl>
+                                              <p:pRg st="10" end="10"/>
+                                            </p:txEl>
+                                          </p:spTgt>
+                                        </p:tgtEl>
+                                        <p:attrNameLst>
+                                          <p:attrName>style.visibility</p:attrName>
+                                        </p:attrNameLst>
+                                      </p:cBhvr>
+                                      <p:to>
+                                        <p:strVal val="visible"/>
+                                      </p:to>
+                                    </p:set>
+                                  </p:childTnLst>
+                                </p:cTn>
+                              </p:par>
+                            </p:childTnLst>
+                          </p:cTn>
+                        </p:par>
+                      </p:childTnLst>
+                    </p:cTn>
+                  </p:par>
+                </p:childTnLst>
+              </p:cTn>
+              <p:prevCondLst>
+                <p:cond evt="onPrev" delay="0">
+                  <p:tgtEl>
+                    <p:sldTgt/>
+                  </p:tgtEl>
+                </p:cond>
+              </p:prevCondLst>
+              <p:nextCondLst>
+                <p:cond evt="onNext" delay="0">
+                  <p:tgtEl>
+                    <p:sldTgt/>
+                  </p:tgtEl>
+                </p:cond>
+              </p:nextCondLst>
+            </p:seq>
+          </p:childTnLst>
+        </p:cTn>
+      </p:par>
+    </p:tnLst>
+  </p:timing>
 </p:sld>
 </file>
 
@@ -10617,6 +10843,263 @@
   <p:clrMapOvr>
     <a:masterClrMapping/>
   </p:clrMapOvr>
+  <p:timing>
+    <p:tnLst>
+      <p:par>
+        <p:cTn id="1" dur="indefinite" restart="never" nodeType="tmRoot">
+          <p:childTnLst>
+            <p:seq concurrent="1" nextAc="seek">
+              <p:cTn id="2" dur="indefinite" nodeType="mainSeq">
+                <p:childTnLst>
+                  <p:par>
+                    <p:cTn id="3" fill="hold">
+                      <p:stCondLst>
+                        <p:cond delay="indefinite"/>
+                      </p:stCondLst>
+                      <p:childTnLst>
+                        <p:par>
+                          <p:cTn id="4" fill="hold">
+                            <p:stCondLst>
+                              <p:cond delay="0"/>
+                            </p:stCondLst>
+                            <p:childTnLst>
+                              <p:par>
+                                <p:cTn id="5" presetID="1" presetClass="entr" presetSubtype="0" fill="hold" nodeType="clickEffect">
+                                  <p:stCondLst>
+                                    <p:cond delay="0"/>
+                                  </p:stCondLst>
+                                  <p:childTnLst>
+                                    <p:set>
+                                      <p:cBhvr>
+                                        <p:cTn id="6" dur="1" fill="hold">
+                                          <p:stCondLst>
+                                            <p:cond delay="0"/>
+                                          </p:stCondLst>
+                                        </p:cTn>
+                                        <p:tgtEl>
+                                          <p:spTgt spid="10">
+                                            <p:txEl>
+                                              <p:pRg st="1" end="1"/>
+                                            </p:txEl>
+                                          </p:spTgt>
+                                        </p:tgtEl>
+                                        <p:attrNameLst>
+                                          <p:attrName>style.visibility</p:attrName>
+                                        </p:attrNameLst>
+                                      </p:cBhvr>
+                                      <p:to>
+                                        <p:strVal val="visible"/>
+                                      </p:to>
+                                    </p:set>
+                                  </p:childTnLst>
+                                </p:cTn>
+                              </p:par>
+                            </p:childTnLst>
+                          </p:cTn>
+                        </p:par>
+                      </p:childTnLst>
+                    </p:cTn>
+                  </p:par>
+                  <p:par>
+                    <p:cTn id="7" fill="hold">
+                      <p:stCondLst>
+                        <p:cond delay="indefinite"/>
+                      </p:stCondLst>
+                      <p:childTnLst>
+                        <p:par>
+                          <p:cTn id="8" fill="hold">
+                            <p:stCondLst>
+                              <p:cond delay="0"/>
+                            </p:stCondLst>
+                            <p:childTnLst>
+                              <p:par>
+                                <p:cTn id="9" presetID="1" presetClass="entr" presetSubtype="0" fill="hold" nodeType="clickEffect">
+                                  <p:stCondLst>
+                                    <p:cond delay="0"/>
+                                  </p:stCondLst>
+                                  <p:childTnLst>
+                                    <p:set>
+                                      <p:cBhvr>
+                                        <p:cTn id="10" dur="1" fill="hold">
+                                          <p:stCondLst>
+                                            <p:cond delay="0"/>
+                                          </p:stCondLst>
+                                        </p:cTn>
+                                        <p:tgtEl>
+                                          <p:spTgt spid="10">
+                                            <p:txEl>
+                                              <p:pRg st="2" end="2"/>
+                                            </p:txEl>
+                                          </p:spTgt>
+                                        </p:tgtEl>
+                                        <p:attrNameLst>
+                                          <p:attrName>style.visibility</p:attrName>
+                                        </p:attrNameLst>
+                                      </p:cBhvr>
+                                      <p:to>
+                                        <p:strVal val="visible"/>
+                                      </p:to>
+                                    </p:set>
+                                  </p:childTnLst>
+                                </p:cTn>
+                              </p:par>
+                            </p:childTnLst>
+                          </p:cTn>
+                        </p:par>
+                      </p:childTnLst>
+                    </p:cTn>
+                  </p:par>
+                  <p:par>
+                    <p:cTn id="11" fill="hold">
+                      <p:stCondLst>
+                        <p:cond delay="indefinite"/>
+                      </p:stCondLst>
+                      <p:childTnLst>
+                        <p:par>
+                          <p:cTn id="12" fill="hold">
+                            <p:stCondLst>
+                              <p:cond delay="0"/>
+                            </p:stCondLst>
+                            <p:childTnLst>
+                              <p:par>
+                                <p:cTn id="13" presetID="1" presetClass="entr" presetSubtype="0" fill="hold" nodeType="clickEffect">
+                                  <p:stCondLst>
+                                    <p:cond delay="0"/>
+                                  </p:stCondLst>
+                                  <p:childTnLst>
+                                    <p:set>
+                                      <p:cBhvr>
+                                        <p:cTn id="14" dur="1" fill="hold">
+                                          <p:stCondLst>
+                                            <p:cond delay="0"/>
+                                          </p:stCondLst>
+                                        </p:cTn>
+                                        <p:tgtEl>
+                                          <p:spTgt spid="10">
+                                            <p:txEl>
+                                              <p:pRg st="3" end="3"/>
+                                            </p:txEl>
+                                          </p:spTgt>
+                                        </p:tgtEl>
+                                        <p:attrNameLst>
+                                          <p:attrName>style.visibility</p:attrName>
+                                        </p:attrNameLst>
+                                      </p:cBhvr>
+                                      <p:to>
+                                        <p:strVal val="visible"/>
+                                      </p:to>
+                                    </p:set>
+                                  </p:childTnLst>
+                                </p:cTn>
+                              </p:par>
+                            </p:childTnLst>
+                          </p:cTn>
+                        </p:par>
+                      </p:childTnLst>
+                    </p:cTn>
+                  </p:par>
+                  <p:par>
+                    <p:cTn id="15" fill="hold">
+                      <p:stCondLst>
+                        <p:cond delay="indefinite"/>
+                      </p:stCondLst>
+                      <p:childTnLst>
+                        <p:par>
+                          <p:cTn id="16" fill="hold">
+                            <p:stCondLst>
+                              <p:cond delay="0"/>
+                            </p:stCondLst>
+                            <p:childTnLst>
+                              <p:par>
+                                <p:cTn id="17" presetID="1" presetClass="entr" presetSubtype="0" fill="hold" nodeType="clickEffect">
+                                  <p:stCondLst>
+                                    <p:cond delay="0"/>
+                                  </p:stCondLst>
+                                  <p:childTnLst>
+                                    <p:set>
+                                      <p:cBhvr>
+                                        <p:cTn id="18" dur="1" fill="hold">
+                                          <p:stCondLst>
+                                            <p:cond delay="0"/>
+                                          </p:stCondLst>
+                                        </p:cTn>
+                                        <p:tgtEl>
+                                          <p:spTgt spid="10">
+                                            <p:txEl>
+                                              <p:pRg st="5" end="5"/>
+                                            </p:txEl>
+                                          </p:spTgt>
+                                        </p:tgtEl>
+                                        <p:attrNameLst>
+                                          <p:attrName>style.visibility</p:attrName>
+                                        </p:attrNameLst>
+                                      </p:cBhvr>
+                                      <p:to>
+                                        <p:strVal val="visible"/>
+                                      </p:to>
+                                    </p:set>
+                                  </p:childTnLst>
+                                </p:cTn>
+                              </p:par>
+                              <p:par>
+                                <p:cTn id="19" presetID="1" presetClass="entr" presetSubtype="0" fill="hold" nodeType="withEffect">
+                                  <p:stCondLst>
+                                    <p:cond delay="0"/>
+                                  </p:stCondLst>
+                                  <p:childTnLst>
+                                    <p:set>
+                                      <p:cBhvr>
+                                        <p:cTn id="20" dur="1" fill="hold">
+                                          <p:stCondLst>
+                                            <p:cond delay="0"/>
+                                          </p:stCondLst>
+                                        </p:cTn>
+                                        <p:tgtEl>
+                                          <p:spTgt spid="10">
+                                            <p:txEl>
+                                              <p:pRg st="6" end="6"/>
+                                            </p:txEl>
+                                          </p:spTgt>
+                                        </p:tgtEl>
+                                        <p:attrNameLst>
+                                          <p:attrName>style.visibility</p:attrName>
+                                        </p:attrNameLst>
+                                      </p:cBhvr>
+                                      <p:to>
+                                        <p:strVal val="visible"/>
+                                      </p:to>
+                                    </p:set>
+                                  </p:childTnLst>
+                                </p:cTn>
+                              </p:par>
+                            </p:childTnLst>
+                          </p:cTn>
+                        </p:par>
+                      </p:childTnLst>
+                    </p:cTn>
+                  </p:par>
+                </p:childTnLst>
+              </p:cTn>
+              <p:prevCondLst>
+                <p:cond evt="onPrev" delay="0">
+                  <p:tgtEl>
+                    <p:sldTgt/>
+                  </p:tgtEl>
+                </p:cond>
+              </p:prevCondLst>
+              <p:nextCondLst>
+                <p:cond evt="onNext" delay="0">
+                  <p:tgtEl>
+                    <p:sldTgt/>
+                  </p:tgtEl>
+                </p:cond>
+              </p:nextCondLst>
+            </p:seq>
+          </p:childTnLst>
+        </p:cTn>
+      </p:par>
+    </p:tnLst>
+  </p:timing>
 </p:sld>
 </file>
 
@@ -10783,8 +11266,8 @@
           </a:p>
         </p:txBody>
       </p:sp>
-      <mc:AlternateContent xmlns:mc="http://schemas.openxmlformats.org/markup-compatibility/2006" xmlns:a14="http://schemas.microsoft.com/office/drawing/2010/main">
-        <mc:Choice Requires="a14">
+      <mc:AlternateContent xmlns:mc="http://schemas.openxmlformats.org/markup-compatibility/2006">
+        <mc:Choice xmlns:a14="http://schemas.microsoft.com/office/drawing/2010/main" Requires="a14">
           <p:sp>
             <p:nvSpPr>
               <p:cNvPr id="7" name="Content Placeholder 6">
@@ -10931,13 +11414,8 @@
                 </a14:m>
                 <a:r>
                   <a:rPr lang="en-US" dirty="0"/>
-                  <a:t> is the </a:t>
+                  <a:t> is the alphabet</a:t>
                 </a:r>
-                <a:r>
-                  <a:rPr lang="en-US" dirty="0" err="1"/>
-                  <a:t>alphabaet</a:t>
-                </a:r>
-                <a:endParaRPr lang="en-US" dirty="0"/>
               </a:p>
               <a:p>
                 <a:pPr lvl="1"/>
@@ -11024,7 +11502,7 @@
             </p:txBody>
           </p:sp>
         </mc:Choice>
-        <mc:Fallback xmlns="">
+        <mc:Fallback>
           <p:sp>
             <p:nvSpPr>
               <p:cNvPr id="7" name="Content Placeholder 6">
@@ -12019,8 +12497,8 @@
           </a:p>
         </p:txBody>
       </p:sp>
-      <mc:AlternateContent xmlns:mc="http://schemas.openxmlformats.org/markup-compatibility/2006" xmlns:a14="http://schemas.microsoft.com/office/drawing/2010/main">
-        <mc:Choice Requires="a14">
+      <mc:AlternateContent xmlns:mc="http://schemas.openxmlformats.org/markup-compatibility/2006">
+        <mc:Choice xmlns:a14="http://schemas.microsoft.com/office/drawing/2010/main" Requires="a14">
           <p:sp>
             <p:nvSpPr>
               <p:cNvPr id="7" name="Content Placeholder 6">
@@ -12136,20 +12614,6 @@
                             <a:latin typeface="Cambria Math" panose="02040503050406030204" pitchFamily="18" charset="0"/>
                             <a:ea typeface="Cambria Math" panose="02040503050406030204" pitchFamily="18" charset="0"/>
                           </a:rPr>
-                          <m:t>𝐹</m:t>
-                        </m:r>
-                        <m:r>
-                          <a:rPr lang="en-US" sz="2400" i="1">
-                            <a:latin typeface="Cambria Math" panose="02040503050406030204" pitchFamily="18" charset="0"/>
-                            <a:ea typeface="Cambria Math" panose="02040503050406030204" pitchFamily="18" charset="0"/>
-                          </a:rPr>
-                          <m:t>,</m:t>
-                        </m:r>
-                        <m:r>
-                          <a:rPr lang="en-US" sz="2400" i="1">
-                            <a:latin typeface="Cambria Math" panose="02040503050406030204" pitchFamily="18" charset="0"/>
-                            <a:ea typeface="Cambria Math" panose="02040503050406030204" pitchFamily="18" charset="0"/>
-                          </a:rPr>
                           <m:t>𝛿</m:t>
                         </m:r>
                       </m:e>
@@ -12198,7 +12662,7 @@
             </p:txBody>
           </p:sp>
         </mc:Choice>
-        <mc:Fallback xmlns="">
+        <mc:Fallback>
           <p:sp>
             <p:nvSpPr>
               <p:cNvPr id="7" name="Content Placeholder 6">
